--- a/MyLatexFiles/Report - Oct 20/report oct 20.pptx
+++ b/MyLatexFiles/Report - Oct 20/report oct 20.pptx
@@ -3681,7 +3681,27 @@
           <a:bodyPr/>
           <a:lstStyle/>
           <a:p>
-            <a:endParaRPr lang="en-US"/>
+            <a:r>
+              <a:rPr lang="fr-FR" dirty="0" err="1" smtClean="0"/>
+              <a:t>Step</a:t>
+            </a:r>
+            <a:r>
+              <a:rPr lang="fr-FR" dirty="0" smtClean="0"/>
+              <a:t>-by-</a:t>
+            </a:r>
+            <a:r>
+              <a:rPr lang="fr-FR" dirty="0" err="1" smtClean="0"/>
+              <a:t>step</a:t>
+            </a:r>
+            <a:r>
+              <a:rPr lang="fr-FR" dirty="0" smtClean="0"/>
+              <a:t> in the </a:t>
+            </a:r>
+            <a:r>
+              <a:rPr lang="fr-FR" dirty="0" err="1" smtClean="0"/>
+              <a:t>implementation</a:t>
+            </a:r>
+            <a:endParaRPr lang="en-US" dirty="0"/>
           </a:p>
         </p:txBody>
       </p:sp>
@@ -5728,6 +5748,155 @@
             <a:pPr marL="0" indent="0">
               <a:buNone/>
             </a:pPr>
+            <a:r>
+              <a:rPr lang="en-US" dirty="0" smtClean="0"/>
+              <a:t>Given all CSDs</a:t>
+            </a:r>
+            <a:r>
+              <a:rPr lang="en-US" dirty="0" smtClean="0"/>
+              <a:t>, a list all possible combinations of them is generated.</a:t>
+            </a:r>
+          </a:p>
+          <a:p>
+            <a:pPr marL="0" indent="0">
+              <a:buNone/>
+            </a:pPr>
+            <a:endParaRPr lang="en-US" dirty="0" smtClean="0"/>
+          </a:p>
+          <a:p>
+            <a:pPr marL="0" indent="0">
+              <a:buNone/>
+            </a:pPr>
+            <a:endParaRPr lang="en-US" dirty="0" smtClean="0"/>
+          </a:p>
+          <a:p>
+            <a:pPr marL="0" indent="0">
+              <a:buNone/>
+            </a:pPr>
+            <a:r>
+              <a:rPr lang="en-US" dirty="0" smtClean="0"/>
+              <a:t>Using the list of combinations, the algorithm identifies which one of them are a valid rewriting.</a:t>
+            </a:r>
+            <a:endParaRPr lang="en-US" dirty="0"/>
+          </a:p>
+        </p:txBody>
+      </p:sp>
+      <p:sp>
+        <p:nvSpPr>
+          <p:cNvPr id="4" name="Titre 1"/>
+          <p:cNvSpPr txBox="1">
+            <a:spLocks/>
+          </p:cNvSpPr>
+          <p:nvPr/>
+        </p:nvSpPr>
+        <p:spPr>
+          <a:xfrm>
+            <a:off x="899592" y="1997968"/>
+            <a:ext cx="7772400" cy="1143000"/>
+          </a:xfrm>
+          <a:prstGeom prst="rect">
+            <a:avLst/>
+          </a:prstGeom>
+        </p:spPr>
+        <p:txBody>
+          <a:bodyPr bIns="91440" anchor="b" anchorCtr="0">
+            <a:normAutofit/>
+          </a:bodyPr>
+          <a:lstStyle>
+            <a:lvl1pPr algn="l" rtl="0" eaLnBrk="1" latinLnBrk="0" hangingPunct="1">
+              <a:spcBef>
+                <a:spcPct val="0"/>
+              </a:spcBef>
+              <a:buNone/>
+              <a:defRPr kumimoji="0" sz="4000" kern="1200">
+                <a:solidFill>
+                  <a:schemeClr val="tx2"/>
+                </a:solidFill>
+                <a:latin typeface="+mj-lt"/>
+                <a:ea typeface="+mj-ea"/>
+                <a:cs typeface="+mj-cs"/>
+              </a:defRPr>
+            </a:lvl1pPr>
+          </a:lstStyle>
+          <a:p>
+            <a:r>
+              <a:rPr lang="en-US" dirty="0" smtClean="0"/>
+              <a:t>4rd Step: finding valid rewritings</a:t>
+            </a:r>
+            <a:endParaRPr lang="en-US" dirty="0"/>
+          </a:p>
+        </p:txBody>
+      </p:sp>
+      <p:pic>
+        <p:nvPicPr>
+          <p:cNvPr id="5" name="Image 4"/>
+          <p:cNvPicPr>
+            <a:picLocks noChangeAspect="1"/>
+          </p:cNvPicPr>
+          <p:nvPr/>
+        </p:nvPicPr>
+        <p:blipFill>
+          <a:blip r:embed="rId2">
+            <a:extLst>
+              <a:ext uri="{28A0092B-C50C-407E-A947-70E740481C1C}">
+                <a14:useLocalDpi xmlns:a14="http://schemas.microsoft.com/office/drawing/2010/main" val="0"/>
+              </a:ext>
+            </a:extLst>
+          </a:blip>
+          <a:stretch>
+            <a:fillRect/>
+          </a:stretch>
+        </p:blipFill>
+        <p:spPr>
+          <a:xfrm>
+            <a:off x="707256" y="4246862"/>
+            <a:ext cx="8113216" cy="2422498"/>
+          </a:xfrm>
+          <a:prstGeom prst="rect">
+            <a:avLst/>
+          </a:prstGeom>
+        </p:spPr>
+      </p:pic>
+      <p:sp>
+        <p:nvSpPr>
+          <p:cNvPr id="6" name="Rectangle 5"/>
+          <p:cNvSpPr/>
+          <p:nvPr/>
+        </p:nvSpPr>
+        <p:spPr>
+          <a:xfrm>
+            <a:off x="110237" y="4090927"/>
+            <a:ext cx="8856984" cy="380032"/>
+          </a:xfrm>
+          <a:prstGeom prst="rect">
+            <a:avLst/>
+          </a:prstGeom>
+        </p:spPr>
+        <p:style>
+          <a:lnRef idx="2">
+            <a:schemeClr val="accent1">
+              <a:shade val="50000"/>
+            </a:schemeClr>
+          </a:lnRef>
+          <a:fillRef idx="1">
+            <a:schemeClr val="accent1"/>
+          </a:fillRef>
+          <a:effectRef idx="0">
+            <a:schemeClr val="accent1"/>
+          </a:effectRef>
+          <a:fontRef idx="minor">
+            <a:schemeClr val="lt1"/>
+          </a:fontRef>
+        </p:style>
+        <p:txBody>
+          <a:bodyPr rtlCol="0" anchor="ctr"/>
+          <a:lstStyle/>
+          <a:p>
+            <a:pPr algn="ctr"/>
+            <a:r>
+              <a:rPr lang="en-US" dirty="0" smtClean="0"/>
+              <a:t>Rewriting generated using all combinations of CSDs</a:t>
+            </a:r>
             <a:endParaRPr lang="en-US" dirty="0"/>
           </a:p>
         </p:txBody>
@@ -5745,9 +5914,123 @@
   <p:timing>
     <p:tnLst>
       <p:par>
-        <p:cTn id="1" dur="indefinite" restart="never" nodeType="tmRoot"/>
+        <p:cTn id="1" dur="indefinite" restart="never" nodeType="tmRoot">
+          <p:childTnLst>
+            <p:seq concurrent="1" nextAc="seek">
+              <p:cTn id="2" dur="indefinite" nodeType="mainSeq">
+                <p:childTnLst>
+                  <p:par>
+                    <p:cTn id="3" fill="hold">
+                      <p:stCondLst>
+                        <p:cond delay="indefinite"/>
+                      </p:stCondLst>
+                      <p:childTnLst>
+                        <p:par>
+                          <p:cTn id="4" fill="hold">
+                            <p:stCondLst>
+                              <p:cond delay="0"/>
+                            </p:stCondLst>
+                            <p:childTnLst>
+                              <p:par>
+                                <p:cTn id="5" presetID="14" presetClass="entr" presetSubtype="10" fill="hold" grpId="0" nodeType="clickEffect">
+                                  <p:stCondLst>
+                                    <p:cond delay="0"/>
+                                  </p:stCondLst>
+                                  <p:childTnLst>
+                                    <p:set>
+                                      <p:cBhvr>
+                                        <p:cTn id="6" dur="1" fill="hold">
+                                          <p:stCondLst>
+                                            <p:cond delay="0"/>
+                                          </p:stCondLst>
+                                        </p:cTn>
+                                        <p:tgtEl>
+                                          <p:spTgt spid="6"/>
+                                        </p:tgtEl>
+                                        <p:attrNameLst>
+                                          <p:attrName>style.visibility</p:attrName>
+                                        </p:attrNameLst>
+                                      </p:cBhvr>
+                                      <p:to>
+                                        <p:strVal val="visible"/>
+                                      </p:to>
+                                    </p:set>
+                                    <p:animEffect transition="in" filter="randombar(horizontal)">
+                                      <p:cBhvr>
+                                        <p:cTn id="7" dur="500"/>
+                                        <p:tgtEl>
+                                          <p:spTgt spid="6"/>
+                                        </p:tgtEl>
+                                      </p:cBhvr>
+                                    </p:animEffect>
+                                  </p:childTnLst>
+                                </p:cTn>
+                              </p:par>
+                              <p:par>
+                                <p:cTn id="8" presetID="14" presetClass="entr" presetSubtype="10" fill="hold" nodeType="withEffect">
+                                  <p:stCondLst>
+                                    <p:cond delay="0"/>
+                                  </p:stCondLst>
+                                  <p:childTnLst>
+                                    <p:set>
+                                      <p:cBhvr>
+                                        <p:cTn id="9" dur="1" fill="hold">
+                                          <p:stCondLst>
+                                            <p:cond delay="0"/>
+                                          </p:stCondLst>
+                                        </p:cTn>
+                                        <p:tgtEl>
+                                          <p:spTgt spid="5"/>
+                                        </p:tgtEl>
+                                        <p:attrNameLst>
+                                          <p:attrName>style.visibility</p:attrName>
+                                        </p:attrNameLst>
+                                      </p:cBhvr>
+                                      <p:to>
+                                        <p:strVal val="visible"/>
+                                      </p:to>
+                                    </p:set>
+                                    <p:animEffect transition="in" filter="randombar(horizontal)">
+                                      <p:cBhvr>
+                                        <p:cTn id="10" dur="500"/>
+                                        <p:tgtEl>
+                                          <p:spTgt spid="5"/>
+                                        </p:tgtEl>
+                                      </p:cBhvr>
+                                    </p:animEffect>
+                                  </p:childTnLst>
+                                </p:cTn>
+                              </p:par>
+                            </p:childTnLst>
+                          </p:cTn>
+                        </p:par>
+                      </p:childTnLst>
+                    </p:cTn>
+                  </p:par>
+                </p:childTnLst>
+              </p:cTn>
+              <p:prevCondLst>
+                <p:cond evt="onPrev" delay="0">
+                  <p:tgtEl>
+                    <p:sldTgt/>
+                  </p:tgtEl>
+                </p:cond>
+              </p:prevCondLst>
+              <p:nextCondLst>
+                <p:cond evt="onNext" delay="0">
+                  <p:tgtEl>
+                    <p:sldTgt/>
+                  </p:tgtEl>
+                </p:cond>
+              </p:nextCondLst>
+            </p:seq>
+          </p:childTnLst>
+        </p:cTn>
       </p:par>
     </p:tnLst>
+    <p:bldLst>
+      <p:bldP spid="6" grpId="0" animBg="1"/>
+    </p:bldLst>
   </p:timing>
 </p:sld>
 </file>
